--- a/app/src/main/Documentacion/Presentacion.pptx
+++ b/app/src/main/Documentacion/Presentacion.pptx
@@ -10,7 +10,11 @@
     <p:sldId id="257" r:id="rId4"/>
     <p:sldId id="259" r:id="rId5"/>
     <p:sldId id="260" r:id="rId6"/>
-    <p:sldId id="261" r:id="rId7"/>
+    <p:sldId id="262" r:id="rId7"/>
+    <p:sldId id="263" r:id="rId8"/>
+    <p:sldId id="261" r:id="rId9"/>
+    <p:sldId id="264" r:id="rId10"/>
+    <p:sldId id="265" r:id="rId11"/>
   </p:sldIdLst>
   <p:sldSz cx="12192000" cy="6858000"/>
   <p:notesSz cx="6858000" cy="9144000"/>
@@ -287,7 +291,7 @@
             <a:fld id="{87DE6118-2437-4B30-8E3C-4D2BE6020583}" type="datetimeFigureOut">
               <a:rPr lang="en-US" dirty="0"/>
               <a:pPr/>
-              <a:t>6/20/2019</a:t>
+              <a:t>6/24/2019</a:t>
             </a:fld>
             <a:endParaRPr lang="en-US" dirty="0"/>
           </a:p>
@@ -613,7 +617,7 @@
           <a:p>
             <a:fld id="{87DE6118-2437-4B30-8E3C-4D2BE6020583}" type="datetimeFigureOut">
               <a:rPr lang="en-US" dirty="0"/>
-              <a:t>6/20/2019</a:t>
+              <a:t>6/24/2019</a:t>
             </a:fld>
             <a:endParaRPr lang="en-US" dirty="0"/>
           </a:p>
@@ -788,7 +792,7 @@
           <a:p>
             <a:fld id="{87DE6118-2437-4B30-8E3C-4D2BE6020583}" type="datetimeFigureOut">
               <a:rPr lang="en-US" dirty="0"/>
-              <a:t>6/20/2019</a:t>
+              <a:t>6/24/2019</a:t>
             </a:fld>
             <a:endParaRPr lang="en-US" dirty="0"/>
           </a:p>
@@ -953,7 +957,7 @@
           <a:p>
             <a:fld id="{87DE6118-2437-4B30-8E3C-4D2BE6020583}" type="datetimeFigureOut">
               <a:rPr lang="en-US" dirty="0"/>
-              <a:t>6/20/2019</a:t>
+              <a:t>6/24/2019</a:t>
             </a:fld>
             <a:endParaRPr lang="en-US" dirty="0"/>
           </a:p>
@@ -1226,7 +1230,7 @@
             <a:fld id="{87DE6118-2437-4B30-8E3C-4D2BE6020583}" type="datetimeFigureOut">
               <a:rPr lang="en-US" dirty="0"/>
               <a:pPr/>
-              <a:t>6/20/2019</a:t>
+              <a:t>6/24/2019</a:t>
             </a:fld>
             <a:endParaRPr lang="en-US" dirty="0"/>
           </a:p>
@@ -1616,7 +1620,7 @@
           <a:p>
             <a:fld id="{87DE6118-2437-4B30-8E3C-4D2BE6020583}" type="datetimeFigureOut">
               <a:rPr lang="en-US" dirty="0"/>
-              <a:t>6/20/2019</a:t>
+              <a:t>6/24/2019</a:t>
             </a:fld>
             <a:endParaRPr lang="en-US" dirty="0"/>
           </a:p>
@@ -2088,7 +2092,7 @@
           <a:p>
             <a:fld id="{87DE6118-2437-4B30-8E3C-4D2BE6020583}" type="datetimeFigureOut">
               <a:rPr lang="en-US" dirty="0"/>
-              <a:t>6/20/2019</a:t>
+              <a:t>6/24/2019</a:t>
             </a:fld>
             <a:endParaRPr lang="en-US" dirty="0"/>
           </a:p>
@@ -2201,7 +2205,7 @@
           <a:p>
             <a:fld id="{87DE6118-2437-4B30-8E3C-4D2BE6020583}" type="datetimeFigureOut">
               <a:rPr lang="en-US" dirty="0"/>
-              <a:t>6/20/2019</a:t>
+              <a:t>6/24/2019</a:t>
             </a:fld>
             <a:endParaRPr lang="en-US" dirty="0"/>
           </a:p>
@@ -2291,7 +2295,7 @@
           <a:p>
             <a:fld id="{87DE6118-2437-4B30-8E3C-4D2BE6020583}" type="datetimeFigureOut">
               <a:rPr lang="en-US" dirty="0"/>
-              <a:t>6/20/2019</a:t>
+              <a:t>6/24/2019</a:t>
             </a:fld>
             <a:endParaRPr lang="en-US" dirty="0"/>
           </a:p>
@@ -2633,7 +2637,7 @@
             <a:fld id="{87DE6118-2437-4B30-8E3C-4D2BE6020583}" type="datetimeFigureOut">
               <a:rPr lang="en-US" dirty="0"/>
               <a:pPr/>
-              <a:t>6/20/2019</a:t>
+              <a:t>6/24/2019</a:t>
             </a:fld>
             <a:endParaRPr lang="en-US" dirty="0"/>
           </a:p>
@@ -3018,7 +3022,7 @@
             <a:fld id="{87DE6118-2437-4B30-8E3C-4D2BE6020583}" type="datetimeFigureOut">
               <a:rPr lang="en-US" dirty="0"/>
               <a:pPr/>
-              <a:t>6/20/2019</a:t>
+              <a:t>6/24/2019</a:t>
             </a:fld>
             <a:endParaRPr lang="en-US" dirty="0"/>
           </a:p>
@@ -3293,7 +3297,7 @@
             <a:fld id="{87DE6118-2437-4B30-8E3C-4D2BE6020583}" type="datetimeFigureOut">
               <a:rPr lang="en-US" dirty="0"/>
               <a:pPr/>
-              <a:t>6/20/2019</a:t>
+              <a:t>6/24/2019</a:t>
             </a:fld>
             <a:endParaRPr lang="en-US" dirty="0"/>
           </a:p>
@@ -3877,6 +3881,151 @@
 </p:sld>
 </file>
 
+<file path=ppt/slides/slide10.xml><?xml version="1.0" encoding="utf-8"?>
+<p:sld xmlns:a="http://schemas.openxmlformats.org/drawingml/2006/main" xmlns:r="http://schemas.openxmlformats.org/officeDocument/2006/relationships" xmlns:p="http://schemas.openxmlformats.org/presentationml/2006/main">
+  <p:cSld>
+    <p:spTree>
+      <p:nvGrpSpPr>
+        <p:cNvPr id="1" name=""/>
+        <p:cNvGrpSpPr/>
+        <p:nvPr/>
+      </p:nvGrpSpPr>
+      <p:grpSpPr>
+        <a:xfrm>
+          <a:off x="0" y="0"/>
+          <a:ext cx="0" cy="0"/>
+          <a:chOff x="0" y="0"/>
+          <a:chExt cx="0" cy="0"/>
+        </a:xfrm>
+      </p:grpSpPr>
+      <p:sp>
+        <p:nvSpPr>
+          <p:cNvPr id="2" name="Título 1">
+            <a:extLst>
+              <a:ext uri="{FF2B5EF4-FFF2-40B4-BE49-F238E27FC236}">
+                <a16:creationId xmlns:a16="http://schemas.microsoft.com/office/drawing/2014/main" id="{9F94830D-41DC-4D93-AB25-76F0828DBD54}"/>
+              </a:ext>
+            </a:extLst>
+          </p:cNvPr>
+          <p:cNvSpPr>
+            <a:spLocks noGrp="1"/>
+          </p:cNvSpPr>
+          <p:nvPr>
+            <p:ph type="title"/>
+          </p:nvPr>
+        </p:nvSpPr>
+        <p:spPr/>
+        <p:txBody>
+          <a:bodyPr/>
+          <a:lstStyle/>
+          <a:p>
+            <a:r>
+              <a:rPr lang="es-ES" dirty="0"/>
+              <a:t>Subidas de archivos FTP</a:t>
+            </a:r>
+          </a:p>
+        </p:txBody>
+      </p:sp>
+      <p:pic>
+        <p:nvPicPr>
+          <p:cNvPr id="4" name="Imagen 3">
+            <a:extLst>
+              <a:ext uri="{FF2B5EF4-FFF2-40B4-BE49-F238E27FC236}">
+                <a16:creationId xmlns:a16="http://schemas.microsoft.com/office/drawing/2014/main" id="{567E7668-4BE3-42D2-A002-133AA1FC8B12}"/>
+              </a:ext>
+            </a:extLst>
+          </p:cNvPr>
+          <p:cNvPicPr>
+            <a:picLocks noChangeAspect="1"/>
+          </p:cNvPicPr>
+          <p:nvPr/>
+        </p:nvPicPr>
+        <p:blipFill rotWithShape="1">
+          <a:blip r:embed="rId2"/>
+          <a:srcRect l="23533" t="44823" r="40412" b="23038"/>
+          <a:stretch/>
+        </p:blipFill>
+        <p:spPr>
+          <a:xfrm>
+            <a:off x="1371600" y="1945197"/>
+            <a:ext cx="5918433" cy="2857564"/>
+          </a:xfrm>
+          <a:prstGeom prst="rect">
+            <a:avLst/>
+          </a:prstGeom>
+        </p:spPr>
+      </p:pic>
+      <p:pic>
+        <p:nvPicPr>
+          <p:cNvPr id="5" name="Imagen 4">
+            <a:extLst>
+              <a:ext uri="{FF2B5EF4-FFF2-40B4-BE49-F238E27FC236}">
+                <a16:creationId xmlns:a16="http://schemas.microsoft.com/office/drawing/2014/main" id="{04993312-FB70-43B8-A2A6-6E4B4C540E2C}"/>
+              </a:ext>
+            </a:extLst>
+          </p:cNvPr>
+          <p:cNvPicPr>
+            <a:picLocks noChangeAspect="1"/>
+          </p:cNvPicPr>
+          <p:nvPr/>
+        </p:nvPicPr>
+        <p:blipFill rotWithShape="1">
+          <a:blip r:embed="rId3"/>
+          <a:srcRect l="23533" t="44823" r="40412" b="33709"/>
+          <a:stretch/>
+        </p:blipFill>
+        <p:spPr>
+          <a:xfrm>
+            <a:off x="5352175" y="4686301"/>
+            <a:ext cx="5620625" cy="1812759"/>
+          </a:xfrm>
+          <a:prstGeom prst="rect">
+            <a:avLst/>
+          </a:prstGeom>
+        </p:spPr>
+      </p:pic>
+      <p:pic>
+        <p:nvPicPr>
+          <p:cNvPr id="6" name="Imagen 5">
+            <a:extLst>
+              <a:ext uri="{FF2B5EF4-FFF2-40B4-BE49-F238E27FC236}">
+                <a16:creationId xmlns:a16="http://schemas.microsoft.com/office/drawing/2014/main" id="{78E836B5-302F-4F73-AFF0-723409D470D1}"/>
+              </a:ext>
+            </a:extLst>
+          </p:cNvPr>
+          <p:cNvPicPr>
+            <a:picLocks noChangeAspect="1"/>
+          </p:cNvPicPr>
+          <p:nvPr/>
+        </p:nvPicPr>
+        <p:blipFill rotWithShape="1">
+          <a:blip r:embed="rId4"/>
+          <a:srcRect l="11250" t="44188" r="27821" b="51239"/>
+          <a:stretch/>
+        </p:blipFill>
+        <p:spPr>
+          <a:xfrm>
+            <a:off x="1371600" y="1428750"/>
+            <a:ext cx="9440336" cy="383796"/>
+          </a:xfrm>
+          <a:prstGeom prst="rect">
+            <a:avLst/>
+          </a:prstGeom>
+        </p:spPr>
+      </p:pic>
+    </p:spTree>
+    <p:extLst>
+      <p:ext uri="{BB962C8B-B14F-4D97-AF65-F5344CB8AC3E}">
+        <p14:creationId xmlns:p14="http://schemas.microsoft.com/office/powerpoint/2010/main" val="872124693"/>
+      </p:ext>
+    </p:extLst>
+  </p:cSld>
+  <p:clrMapOvr>
+    <a:masterClrMapping/>
+  </p:clrMapOvr>
+</p:sld>
+</file>
+
 <file path=ppt/slides/slide2.xml><?xml version="1.0" encoding="utf-8"?>
 <p:sld xmlns:a="http://schemas.openxmlformats.org/drawingml/2006/main" xmlns:r="http://schemas.openxmlformats.org/officeDocument/2006/relationships" xmlns:p="http://schemas.openxmlformats.org/presentationml/2006/main">
   <p:cSld>
@@ -4149,7 +4298,7 @@
           <a:p>
             <a:r>
               <a:rPr lang="es-ES" dirty="0"/>
-              <a:t>SQLite</a:t>
+              <a:t>Base de datos interna</a:t>
             </a:r>
           </a:p>
         </p:txBody>
@@ -4235,7 +4384,7 @@
           <a:p>
             <a:r>
               <a:rPr lang="es-ES" dirty="0"/>
-              <a:t>MySQL</a:t>
+              <a:t>Base de datos externa</a:t>
             </a:r>
           </a:p>
         </p:txBody>
@@ -4263,8 +4412,8 @@
         </p:blipFill>
         <p:spPr>
           <a:xfrm>
-            <a:off x="2196518" y="1488046"/>
-            <a:ext cx="8623882" cy="5248974"/>
+            <a:off x="2196518" y="1490407"/>
+            <a:ext cx="8623882" cy="5244252"/>
           </a:xfrm>
         </p:spPr>
       </p:pic>
@@ -4303,6 +4452,1343 @@
           <p:cNvPr id="2" name="Título 1">
             <a:extLst>
               <a:ext uri="{FF2B5EF4-FFF2-40B4-BE49-F238E27FC236}">
+                <a16:creationId xmlns:a16="http://schemas.microsoft.com/office/drawing/2014/main" id="{12E4F866-33A1-465F-914B-B06E12753731}"/>
+              </a:ext>
+            </a:extLst>
+          </p:cNvPr>
+          <p:cNvSpPr>
+            <a:spLocks noGrp="1"/>
+          </p:cNvSpPr>
+          <p:nvPr>
+            <p:ph type="title"/>
+          </p:nvPr>
+        </p:nvSpPr>
+        <p:spPr/>
+        <p:txBody>
+          <a:bodyPr/>
+          <a:lstStyle/>
+          <a:p>
+            <a:r>
+              <a:rPr lang="es-ES" dirty="0"/>
+              <a:t>Envío de emails</a:t>
+            </a:r>
+          </a:p>
+        </p:txBody>
+      </p:sp>
+      <p:sp>
+        <p:nvSpPr>
+          <p:cNvPr id="4" name="Marcador de contenido 3">
+            <a:extLst>
+              <a:ext uri="{FF2B5EF4-FFF2-40B4-BE49-F238E27FC236}">
+                <a16:creationId xmlns:a16="http://schemas.microsoft.com/office/drawing/2014/main" id="{2F3DB42F-6261-4A43-AC33-C626DD771590}"/>
+              </a:ext>
+            </a:extLst>
+          </p:cNvPr>
+          <p:cNvSpPr>
+            <a:spLocks noGrp="1"/>
+          </p:cNvSpPr>
+          <p:nvPr>
+            <p:ph idx="1"/>
+          </p:nvPr>
+        </p:nvSpPr>
+        <p:spPr/>
+        <p:txBody>
+          <a:bodyPr/>
+          <a:lstStyle/>
+          <a:p>
+            <a:endParaRPr lang="es-ES"/>
+          </a:p>
+        </p:txBody>
+      </p:sp>
+      <p:pic>
+        <p:nvPicPr>
+          <p:cNvPr id="6" name="Imagen 5">
+            <a:extLst>
+              <a:ext uri="{FF2B5EF4-FFF2-40B4-BE49-F238E27FC236}">
+                <a16:creationId xmlns:a16="http://schemas.microsoft.com/office/drawing/2014/main" id="{D1A8069B-20E5-4AFB-A26F-418A23FB96F4}"/>
+              </a:ext>
+            </a:extLst>
+          </p:cNvPr>
+          <p:cNvPicPr>
+            <a:picLocks noChangeAspect="1"/>
+          </p:cNvPicPr>
+          <p:nvPr/>
+        </p:nvPicPr>
+        <p:blipFill rotWithShape="1">
+          <a:blip r:embed="rId2"/>
+          <a:srcRect t="16514" b="13395"/>
+          <a:stretch/>
+        </p:blipFill>
+        <p:spPr>
+          <a:xfrm>
+            <a:off x="1485493" y="1916535"/>
+            <a:ext cx="9606907" cy="4806892"/>
+          </a:xfrm>
+          <a:prstGeom prst="rect">
+            <a:avLst/>
+          </a:prstGeom>
+        </p:spPr>
+      </p:pic>
+      <p:sp>
+        <p:nvSpPr>
+          <p:cNvPr id="8" name="Rectángulo 7">
+            <a:extLst>
+              <a:ext uri="{FF2B5EF4-FFF2-40B4-BE49-F238E27FC236}">
+                <a16:creationId xmlns:a16="http://schemas.microsoft.com/office/drawing/2014/main" id="{B473EDBA-8A5F-4CB3-B37D-6F4CB048E111}"/>
+              </a:ext>
+            </a:extLst>
+          </p:cNvPr>
+          <p:cNvSpPr/>
+          <p:nvPr/>
+        </p:nvSpPr>
+        <p:spPr>
+          <a:xfrm>
+            <a:off x="1485493" y="1428750"/>
+            <a:ext cx="5743880" cy="369332"/>
+          </a:xfrm>
+          <a:prstGeom prst="rect">
+            <a:avLst/>
+          </a:prstGeom>
+        </p:spPr>
+        <p:txBody>
+          <a:bodyPr wrap="none">
+            <a:spAutoFit/>
+          </a:bodyPr>
+          <a:lstStyle/>
+          <a:p>
+            <a:pPr lvl="0" defTabSz="914400" eaLnBrk="0" fontAlgn="base" hangingPunct="0">
+              <a:spcBef>
+                <a:spcPct val="0"/>
+              </a:spcBef>
+              <a:spcAft>
+                <a:spcPct val="0"/>
+              </a:spcAft>
+            </a:pPr>
+            <a:r>
+              <a:rPr lang="es-ES" altLang="es-ES" dirty="0">
+                <a:solidFill>
+                  <a:srgbClr val="3C3D47"/>
+                </a:solidFill>
+                <a:latin typeface="Courier 10 Pitch"/>
+              </a:rPr>
+              <a:t>Linux: mail -s "asunto" geeko@correo.com</a:t>
+            </a:r>
+            <a:r>
+              <a:rPr lang="es-ES" altLang="es-ES" sz="1400" dirty="0"/>
+              <a:t> </a:t>
+            </a:r>
+            <a:endParaRPr lang="es-ES" altLang="es-ES" sz="4000" dirty="0">
+              <a:latin typeface="Arial" panose="020B0604020202020204" pitchFamily="34" charset="0"/>
+            </a:endParaRPr>
+          </a:p>
+        </p:txBody>
+      </p:sp>
+      <p:pic>
+        <p:nvPicPr>
+          <p:cNvPr id="9" name="Imagen 8">
+            <a:extLst>
+              <a:ext uri="{FF2B5EF4-FFF2-40B4-BE49-F238E27FC236}">
+                <a16:creationId xmlns:a16="http://schemas.microsoft.com/office/drawing/2014/main" id="{D94EFCE2-7D53-4E13-9BB1-B2059AA522FE}"/>
+              </a:ext>
+            </a:extLst>
+          </p:cNvPr>
+          <p:cNvPicPr>
+            <a:picLocks noChangeAspect="1"/>
+          </p:cNvPicPr>
+          <p:nvPr/>
+        </p:nvPicPr>
+        <p:blipFill rotWithShape="1">
+          <a:blip r:embed="rId3"/>
+          <a:srcRect l="4060" t="21577" r="72821" b="26849"/>
+          <a:stretch/>
+        </p:blipFill>
+        <p:spPr>
+          <a:xfrm>
+            <a:off x="7229373" y="1858510"/>
+            <a:ext cx="4060271" cy="4906163"/>
+          </a:xfrm>
+          <a:prstGeom prst="rect">
+            <a:avLst/>
+          </a:prstGeom>
+        </p:spPr>
+      </p:pic>
+    </p:spTree>
+    <p:extLst>
+      <p:ext uri="{BB962C8B-B14F-4D97-AF65-F5344CB8AC3E}">
+        <p14:creationId xmlns:p14="http://schemas.microsoft.com/office/powerpoint/2010/main" val="234109637"/>
+      </p:ext>
+    </p:extLst>
+  </p:cSld>
+  <p:clrMapOvr>
+    <a:masterClrMapping/>
+  </p:clrMapOvr>
+</p:sld>
+</file>
+
+<file path=ppt/slides/slide7.xml><?xml version="1.0" encoding="utf-8"?>
+<p:sld xmlns:a="http://schemas.openxmlformats.org/drawingml/2006/main" xmlns:r="http://schemas.openxmlformats.org/officeDocument/2006/relationships" xmlns:p="http://schemas.openxmlformats.org/presentationml/2006/main">
+  <p:cSld>
+    <p:spTree>
+      <p:nvGrpSpPr>
+        <p:cNvPr id="1" name=""/>
+        <p:cNvGrpSpPr/>
+        <p:nvPr/>
+      </p:nvGrpSpPr>
+      <p:grpSpPr>
+        <a:xfrm>
+          <a:off x="0" y="0"/>
+          <a:ext cx="0" cy="0"/>
+          <a:chOff x="0" y="0"/>
+          <a:chExt cx="0" cy="0"/>
+        </a:xfrm>
+      </p:grpSpPr>
+      <p:sp>
+        <p:nvSpPr>
+          <p:cNvPr id="2" name="Título 1">
+            <a:extLst>
+              <a:ext uri="{FF2B5EF4-FFF2-40B4-BE49-F238E27FC236}">
+                <a16:creationId xmlns:a16="http://schemas.microsoft.com/office/drawing/2014/main" id="{12E4F866-33A1-465F-914B-B06E12753731}"/>
+              </a:ext>
+            </a:extLst>
+          </p:cNvPr>
+          <p:cNvSpPr>
+            <a:spLocks noGrp="1"/>
+          </p:cNvSpPr>
+          <p:nvPr>
+            <p:ph type="title"/>
+          </p:nvPr>
+        </p:nvSpPr>
+        <p:spPr/>
+        <p:txBody>
+          <a:bodyPr/>
+          <a:lstStyle/>
+          <a:p>
+            <a:r>
+              <a:rPr lang="es-ES" dirty="0"/>
+              <a:t>Envío de emails</a:t>
+            </a:r>
+          </a:p>
+        </p:txBody>
+      </p:sp>
+      <p:sp>
+        <p:nvSpPr>
+          <p:cNvPr id="3" name="Rectángulo 2">
+            <a:extLst>
+              <a:ext uri="{FF2B5EF4-FFF2-40B4-BE49-F238E27FC236}">
+                <a16:creationId xmlns:a16="http://schemas.microsoft.com/office/drawing/2014/main" id="{7F268B9F-E6F2-4393-9D46-E4AFFF7C3710}"/>
+              </a:ext>
+            </a:extLst>
+          </p:cNvPr>
+          <p:cNvSpPr/>
+          <p:nvPr/>
+        </p:nvSpPr>
+        <p:spPr>
+          <a:xfrm>
+            <a:off x="1371600" y="1328083"/>
+            <a:ext cx="10382774" cy="5078313"/>
+          </a:xfrm>
+          <a:prstGeom prst="rect">
+            <a:avLst/>
+          </a:prstGeom>
+        </p:spPr>
+        <p:style>
+          <a:lnRef idx="1">
+            <a:schemeClr val="accent5"/>
+          </a:lnRef>
+          <a:fillRef idx="2">
+            <a:schemeClr val="accent5"/>
+          </a:fillRef>
+          <a:effectRef idx="1">
+            <a:schemeClr val="accent5"/>
+          </a:effectRef>
+          <a:fontRef idx="minor">
+            <a:schemeClr val="dk1"/>
+          </a:fontRef>
+        </p:style>
+        <p:txBody>
+          <a:bodyPr wrap="square">
+            <a:spAutoFit/>
+          </a:bodyPr>
+          <a:lstStyle/>
+          <a:p>
+            <a:r>
+              <a:rPr lang="es-ES" sz="1200" dirty="0">
+                <a:solidFill>
+                  <a:schemeClr val="tx1">
+                    <a:lumMod val="95000"/>
+                    <a:lumOff val="5000"/>
+                  </a:schemeClr>
+                </a:solidFill>
+                <a:latin typeface="Consolas" panose="020B0609020204030204" pitchFamily="49" charset="0"/>
+              </a:rPr>
+              <a:t>&lt;?</a:t>
+            </a:r>
+            <a:r>
+              <a:rPr lang="es-ES" sz="1200" dirty="0" err="1">
+                <a:solidFill>
+                  <a:schemeClr val="tx1">
+                    <a:lumMod val="95000"/>
+                    <a:lumOff val="5000"/>
+                  </a:schemeClr>
+                </a:solidFill>
+                <a:latin typeface="Consolas" panose="020B0609020204030204" pitchFamily="49" charset="0"/>
+              </a:rPr>
+              <a:t>php</a:t>
+            </a:r>
+            <a:endParaRPr lang="es-ES" sz="1200" dirty="0">
+              <a:solidFill>
+                <a:schemeClr val="tx1">
+                  <a:lumMod val="95000"/>
+                  <a:lumOff val="5000"/>
+                </a:schemeClr>
+              </a:solidFill>
+              <a:latin typeface="Consolas" panose="020B0609020204030204" pitchFamily="49" charset="0"/>
+            </a:endParaRPr>
+          </a:p>
+          <a:p>
+            <a:r>
+              <a:rPr lang="es-ES" sz="1200" dirty="0">
+                <a:solidFill>
+                  <a:schemeClr val="tx1">
+                    <a:lumMod val="95000"/>
+                    <a:lumOff val="5000"/>
+                  </a:schemeClr>
+                </a:solidFill>
+                <a:latin typeface="Consolas" panose="020B0609020204030204" pitchFamily="49" charset="0"/>
+              </a:rPr>
+              <a:t>//Creamos la conexión</a:t>
+            </a:r>
+          </a:p>
+          <a:p>
+            <a:r>
+              <a:rPr lang="es-ES" sz="1200" dirty="0" err="1">
+                <a:solidFill>
+                  <a:schemeClr val="tx1">
+                    <a:lumMod val="95000"/>
+                    <a:lumOff val="5000"/>
+                  </a:schemeClr>
+                </a:solidFill>
+                <a:latin typeface="Consolas" panose="020B0609020204030204" pitchFamily="49" charset="0"/>
+              </a:rPr>
+              <a:t>require_once</a:t>
+            </a:r>
+            <a:r>
+              <a:rPr lang="es-ES" sz="1200" dirty="0">
+                <a:solidFill>
+                  <a:schemeClr val="tx1">
+                    <a:lumMod val="95000"/>
+                    <a:lumOff val="5000"/>
+                  </a:schemeClr>
+                </a:solidFill>
+                <a:latin typeface="Consolas" panose="020B0609020204030204" pitchFamily="49" charset="0"/>
+              </a:rPr>
+              <a:t>('</a:t>
+            </a:r>
+            <a:r>
+              <a:rPr lang="es-ES" sz="1200" dirty="0" err="1">
+                <a:solidFill>
+                  <a:schemeClr val="tx1">
+                    <a:lumMod val="95000"/>
+                    <a:lumOff val="5000"/>
+                  </a:schemeClr>
+                </a:solidFill>
+                <a:latin typeface="Consolas" panose="020B0609020204030204" pitchFamily="49" charset="0"/>
+              </a:rPr>
+              <a:t>dbConnect.php</a:t>
+            </a:r>
+            <a:r>
+              <a:rPr lang="es-ES" sz="1200" dirty="0">
+                <a:solidFill>
+                  <a:schemeClr val="tx1">
+                    <a:lumMod val="95000"/>
+                    <a:lumOff val="5000"/>
+                  </a:schemeClr>
+                </a:solidFill>
+                <a:latin typeface="Consolas" panose="020B0609020204030204" pitchFamily="49" charset="0"/>
+              </a:rPr>
+              <a:t>');</a:t>
+            </a:r>
+          </a:p>
+          <a:p>
+            <a:br>
+              <a:rPr lang="es-ES" sz="1200" dirty="0">
+                <a:solidFill>
+                  <a:schemeClr val="tx1">
+                    <a:lumMod val="95000"/>
+                    <a:lumOff val="5000"/>
+                  </a:schemeClr>
+                </a:solidFill>
+                <a:latin typeface="Consolas" panose="020B0609020204030204" pitchFamily="49" charset="0"/>
+              </a:rPr>
+            </a:br>
+            <a:r>
+              <a:rPr lang="es-ES" sz="1200" dirty="0">
+                <a:solidFill>
+                  <a:schemeClr val="tx1">
+                    <a:lumMod val="95000"/>
+                    <a:lumOff val="5000"/>
+                  </a:schemeClr>
+                </a:solidFill>
+                <a:latin typeface="Consolas" panose="020B0609020204030204" pitchFamily="49" charset="0"/>
+              </a:rPr>
+              <a:t>//generamos la consulta</a:t>
+            </a:r>
+          </a:p>
+          <a:p>
+            <a:r>
+              <a:rPr lang="es-ES" sz="1200" dirty="0">
+                <a:solidFill>
+                  <a:schemeClr val="tx1">
+                    <a:lumMod val="95000"/>
+                    <a:lumOff val="5000"/>
+                  </a:schemeClr>
+                </a:solidFill>
+                <a:latin typeface="Consolas" panose="020B0609020204030204" pitchFamily="49" charset="0"/>
+              </a:rPr>
+              <a:t>$email= $_GET["EMAIL"];</a:t>
+            </a:r>
+          </a:p>
+          <a:p>
+            <a:r>
+              <a:rPr lang="es-ES" sz="1200" dirty="0">
+                <a:solidFill>
+                  <a:schemeClr val="tx1">
+                    <a:lumMod val="95000"/>
+                    <a:lumOff val="5000"/>
+                  </a:schemeClr>
+                </a:solidFill>
+                <a:latin typeface="Consolas" panose="020B0609020204030204" pitchFamily="49" charset="0"/>
+              </a:rPr>
+              <a:t>$clave= </a:t>
+            </a:r>
+            <a:r>
+              <a:rPr lang="es-ES" sz="1200" dirty="0" err="1">
+                <a:solidFill>
+                  <a:schemeClr val="tx1">
+                    <a:lumMod val="95000"/>
+                    <a:lumOff val="5000"/>
+                  </a:schemeClr>
+                </a:solidFill>
+                <a:latin typeface="Consolas" panose="020B0609020204030204" pitchFamily="49" charset="0"/>
+              </a:rPr>
+              <a:t>generateRandomString</a:t>
+            </a:r>
+            <a:r>
+              <a:rPr lang="es-ES" sz="1200" dirty="0">
+                <a:solidFill>
+                  <a:schemeClr val="tx1">
+                    <a:lumMod val="95000"/>
+                    <a:lumOff val="5000"/>
+                  </a:schemeClr>
+                </a:solidFill>
+                <a:latin typeface="Consolas" panose="020B0609020204030204" pitchFamily="49" charset="0"/>
+              </a:rPr>
+              <a:t>();</a:t>
+            </a:r>
+          </a:p>
+          <a:p>
+            <a:br>
+              <a:rPr lang="es-ES" sz="1200" dirty="0">
+                <a:solidFill>
+                  <a:schemeClr val="tx1">
+                    <a:lumMod val="95000"/>
+                    <a:lumOff val="5000"/>
+                  </a:schemeClr>
+                </a:solidFill>
+                <a:latin typeface="Consolas" panose="020B0609020204030204" pitchFamily="49" charset="0"/>
+              </a:rPr>
+            </a:br>
+            <a:r>
+              <a:rPr lang="es-ES" sz="1200" dirty="0">
+                <a:solidFill>
+                  <a:schemeClr val="tx1">
+                    <a:lumMod val="95000"/>
+                    <a:lumOff val="5000"/>
+                  </a:schemeClr>
+                </a:solidFill>
+                <a:latin typeface="Consolas" panose="020B0609020204030204" pitchFamily="49" charset="0"/>
+              </a:rPr>
+              <a:t>$</a:t>
+            </a:r>
+            <a:r>
+              <a:rPr lang="es-ES" sz="1200" dirty="0" err="1">
+                <a:solidFill>
+                  <a:schemeClr val="tx1">
+                    <a:lumMod val="95000"/>
+                    <a:lumOff val="5000"/>
+                  </a:schemeClr>
+                </a:solidFill>
+                <a:latin typeface="Consolas" panose="020B0609020204030204" pitchFamily="49" charset="0"/>
+              </a:rPr>
+              <a:t>sql</a:t>
+            </a:r>
+            <a:r>
+              <a:rPr lang="es-ES" sz="1200" dirty="0">
+                <a:solidFill>
+                  <a:schemeClr val="tx1">
+                    <a:lumMod val="95000"/>
+                    <a:lumOff val="5000"/>
+                  </a:schemeClr>
+                </a:solidFill>
+                <a:latin typeface="Consolas" panose="020B0609020204030204" pitchFamily="49" charset="0"/>
+              </a:rPr>
+              <a:t> = "UPDATE USUARIOS_GALERIA SET CLAVE= '$clave' WHERE EMAIL='$email'";</a:t>
+            </a:r>
+          </a:p>
+          <a:p>
+            <a:br>
+              <a:rPr lang="es-ES" sz="1200" dirty="0">
+                <a:solidFill>
+                  <a:schemeClr val="tx1">
+                    <a:lumMod val="95000"/>
+                    <a:lumOff val="5000"/>
+                  </a:schemeClr>
+                </a:solidFill>
+                <a:latin typeface="Consolas" panose="020B0609020204030204" pitchFamily="49" charset="0"/>
+              </a:rPr>
+            </a:br>
+            <a:r>
+              <a:rPr lang="es-ES" sz="1200" dirty="0">
+                <a:solidFill>
+                  <a:schemeClr val="tx1">
+                    <a:lumMod val="95000"/>
+                    <a:lumOff val="5000"/>
+                  </a:schemeClr>
+                </a:solidFill>
+                <a:latin typeface="Consolas" panose="020B0609020204030204" pitchFamily="49" charset="0"/>
+              </a:rPr>
+              <a:t>echo $</a:t>
+            </a:r>
+            <a:r>
+              <a:rPr lang="es-ES" sz="1200" dirty="0" err="1">
+                <a:solidFill>
+                  <a:schemeClr val="tx1">
+                    <a:lumMod val="95000"/>
+                    <a:lumOff val="5000"/>
+                  </a:schemeClr>
+                </a:solidFill>
+                <a:latin typeface="Consolas" panose="020B0609020204030204" pitchFamily="49" charset="0"/>
+              </a:rPr>
+              <a:t>sql</a:t>
+            </a:r>
+            <a:r>
+              <a:rPr lang="es-ES" sz="1200" dirty="0">
+                <a:solidFill>
+                  <a:schemeClr val="tx1">
+                    <a:lumMod val="95000"/>
+                    <a:lumOff val="5000"/>
+                  </a:schemeClr>
+                </a:solidFill>
+                <a:latin typeface="Consolas" panose="020B0609020204030204" pitchFamily="49" charset="0"/>
+              </a:rPr>
+              <a:t>;</a:t>
+            </a:r>
+          </a:p>
+          <a:p>
+            <a:br>
+              <a:rPr lang="es-ES" sz="1200" dirty="0">
+                <a:solidFill>
+                  <a:schemeClr val="tx1">
+                    <a:lumMod val="95000"/>
+                    <a:lumOff val="5000"/>
+                  </a:schemeClr>
+                </a:solidFill>
+                <a:latin typeface="Consolas" panose="020B0609020204030204" pitchFamily="49" charset="0"/>
+              </a:rPr>
+            </a:br>
+            <a:r>
+              <a:rPr lang="es-ES" sz="1200" dirty="0" err="1">
+                <a:solidFill>
+                  <a:schemeClr val="tx1">
+                    <a:lumMod val="95000"/>
+                    <a:lumOff val="5000"/>
+                  </a:schemeClr>
+                </a:solidFill>
+                <a:latin typeface="Consolas" panose="020B0609020204030204" pitchFamily="49" charset="0"/>
+              </a:rPr>
+              <a:t>mysqli_set_charset</a:t>
+            </a:r>
+            <a:r>
+              <a:rPr lang="es-ES" sz="1200" dirty="0">
+                <a:solidFill>
+                  <a:schemeClr val="tx1">
+                    <a:lumMod val="95000"/>
+                    <a:lumOff val="5000"/>
+                  </a:schemeClr>
+                </a:solidFill>
+                <a:latin typeface="Consolas" panose="020B0609020204030204" pitchFamily="49" charset="0"/>
+              </a:rPr>
+              <a:t>($</a:t>
+            </a:r>
+            <a:r>
+              <a:rPr lang="es-ES" sz="1200" dirty="0" err="1">
+                <a:solidFill>
+                  <a:schemeClr val="tx1">
+                    <a:lumMod val="95000"/>
+                    <a:lumOff val="5000"/>
+                  </a:schemeClr>
+                </a:solidFill>
+                <a:latin typeface="Consolas" panose="020B0609020204030204" pitchFamily="49" charset="0"/>
+              </a:rPr>
+              <a:t>conexion</a:t>
+            </a:r>
+            <a:r>
+              <a:rPr lang="es-ES" sz="1200" dirty="0">
+                <a:solidFill>
+                  <a:schemeClr val="tx1">
+                    <a:lumMod val="95000"/>
+                    <a:lumOff val="5000"/>
+                  </a:schemeClr>
+                </a:solidFill>
+                <a:latin typeface="Consolas" panose="020B0609020204030204" pitchFamily="49" charset="0"/>
+              </a:rPr>
+              <a:t>, "utf8"); //formato de datos utf8</a:t>
+            </a:r>
+          </a:p>
+          <a:p>
+            <a:r>
+              <a:rPr lang="es-ES" sz="1200" dirty="0" err="1">
+                <a:solidFill>
+                  <a:schemeClr val="tx1">
+                    <a:lumMod val="95000"/>
+                    <a:lumOff val="5000"/>
+                  </a:schemeClr>
+                </a:solidFill>
+                <a:latin typeface="Consolas" panose="020B0609020204030204" pitchFamily="49" charset="0"/>
+              </a:rPr>
+              <a:t>if</a:t>
+            </a:r>
+            <a:r>
+              <a:rPr lang="es-ES" sz="1200" dirty="0">
+                <a:solidFill>
+                  <a:schemeClr val="tx1">
+                    <a:lumMod val="95000"/>
+                    <a:lumOff val="5000"/>
+                  </a:schemeClr>
+                </a:solidFill>
+                <a:latin typeface="Consolas" panose="020B0609020204030204" pitchFamily="49" charset="0"/>
+              </a:rPr>
+              <a:t> (</a:t>
+            </a:r>
+            <a:r>
+              <a:rPr lang="es-ES" sz="1200" dirty="0" err="1">
+                <a:solidFill>
+                  <a:schemeClr val="tx1">
+                    <a:lumMod val="95000"/>
+                    <a:lumOff val="5000"/>
+                  </a:schemeClr>
+                </a:solidFill>
+                <a:latin typeface="Consolas" panose="020B0609020204030204" pitchFamily="49" charset="0"/>
+              </a:rPr>
+              <a:t>mysqli_query</a:t>
+            </a:r>
+            <a:r>
+              <a:rPr lang="es-ES" sz="1200" dirty="0">
+                <a:solidFill>
+                  <a:schemeClr val="tx1">
+                    <a:lumMod val="95000"/>
+                    <a:lumOff val="5000"/>
+                  </a:schemeClr>
+                </a:solidFill>
+                <a:latin typeface="Consolas" panose="020B0609020204030204" pitchFamily="49" charset="0"/>
+              </a:rPr>
+              <a:t>($</a:t>
+            </a:r>
+            <a:r>
+              <a:rPr lang="es-ES" sz="1200" dirty="0" err="1">
+                <a:solidFill>
+                  <a:schemeClr val="tx1">
+                    <a:lumMod val="95000"/>
+                    <a:lumOff val="5000"/>
+                  </a:schemeClr>
+                </a:solidFill>
+                <a:latin typeface="Consolas" panose="020B0609020204030204" pitchFamily="49" charset="0"/>
+              </a:rPr>
+              <a:t>conexion</a:t>
+            </a:r>
+            <a:r>
+              <a:rPr lang="es-ES" sz="1200" dirty="0">
+                <a:solidFill>
+                  <a:schemeClr val="tx1">
+                    <a:lumMod val="95000"/>
+                    <a:lumOff val="5000"/>
+                  </a:schemeClr>
+                </a:solidFill>
+                <a:latin typeface="Consolas" panose="020B0609020204030204" pitchFamily="49" charset="0"/>
+              </a:rPr>
+              <a:t>, $</a:t>
+            </a:r>
+            <a:r>
+              <a:rPr lang="es-ES" sz="1200" dirty="0" err="1">
+                <a:solidFill>
+                  <a:schemeClr val="tx1">
+                    <a:lumMod val="95000"/>
+                    <a:lumOff val="5000"/>
+                  </a:schemeClr>
+                </a:solidFill>
+                <a:latin typeface="Consolas" panose="020B0609020204030204" pitchFamily="49" charset="0"/>
+              </a:rPr>
+              <a:t>sql</a:t>
+            </a:r>
+            <a:r>
+              <a:rPr lang="es-ES" sz="1200" dirty="0">
+                <a:solidFill>
+                  <a:schemeClr val="tx1">
+                    <a:lumMod val="95000"/>
+                    <a:lumOff val="5000"/>
+                  </a:schemeClr>
+                </a:solidFill>
+                <a:latin typeface="Consolas" panose="020B0609020204030204" pitchFamily="49" charset="0"/>
+              </a:rPr>
+              <a:t>)) { echo "OK";} </a:t>
+            </a:r>
+          </a:p>
+          <a:p>
+            <a:r>
+              <a:rPr lang="es-ES" sz="1200" dirty="0" err="1">
+                <a:solidFill>
+                  <a:schemeClr val="tx1">
+                    <a:lumMod val="95000"/>
+                    <a:lumOff val="5000"/>
+                  </a:schemeClr>
+                </a:solidFill>
+                <a:latin typeface="Consolas" panose="020B0609020204030204" pitchFamily="49" charset="0"/>
+              </a:rPr>
+              <a:t>else</a:t>
+            </a:r>
+            <a:r>
+              <a:rPr lang="es-ES" sz="1200" dirty="0">
+                <a:solidFill>
+                  <a:schemeClr val="tx1">
+                    <a:lumMod val="95000"/>
+                    <a:lumOff val="5000"/>
+                  </a:schemeClr>
+                </a:solidFill>
+                <a:latin typeface="Consolas" panose="020B0609020204030204" pitchFamily="49" charset="0"/>
+              </a:rPr>
+              <a:t> {echo "ERROR";}</a:t>
+            </a:r>
+          </a:p>
+          <a:p>
+            <a:br>
+              <a:rPr lang="es-ES" sz="1200" dirty="0">
+                <a:solidFill>
+                  <a:schemeClr val="tx1">
+                    <a:lumMod val="95000"/>
+                    <a:lumOff val="5000"/>
+                  </a:schemeClr>
+                </a:solidFill>
+                <a:latin typeface="Consolas" panose="020B0609020204030204" pitchFamily="49" charset="0"/>
+              </a:rPr>
+            </a:br>
+            <a:r>
+              <a:rPr lang="es-ES" sz="1200" dirty="0" err="1">
+                <a:solidFill>
+                  <a:schemeClr val="tx1">
+                    <a:lumMod val="95000"/>
+                    <a:lumOff val="5000"/>
+                  </a:schemeClr>
+                </a:solidFill>
+                <a:latin typeface="Consolas" panose="020B0609020204030204" pitchFamily="49" charset="0"/>
+              </a:rPr>
+              <a:t>function</a:t>
+            </a:r>
+            <a:r>
+              <a:rPr lang="es-ES" sz="1200" dirty="0">
+                <a:solidFill>
+                  <a:schemeClr val="tx1">
+                    <a:lumMod val="95000"/>
+                    <a:lumOff val="5000"/>
+                  </a:schemeClr>
+                </a:solidFill>
+                <a:latin typeface="Consolas" panose="020B0609020204030204" pitchFamily="49" charset="0"/>
+              </a:rPr>
+              <a:t> </a:t>
+            </a:r>
+            <a:r>
+              <a:rPr lang="es-ES" sz="1200" dirty="0" err="1">
+                <a:solidFill>
+                  <a:schemeClr val="tx1">
+                    <a:lumMod val="95000"/>
+                    <a:lumOff val="5000"/>
+                  </a:schemeClr>
+                </a:solidFill>
+                <a:latin typeface="Consolas" panose="020B0609020204030204" pitchFamily="49" charset="0"/>
+              </a:rPr>
+              <a:t>generateRandomString</a:t>
+            </a:r>
+            <a:r>
+              <a:rPr lang="es-ES" sz="1200" dirty="0">
+                <a:solidFill>
+                  <a:schemeClr val="tx1">
+                    <a:lumMod val="95000"/>
+                    <a:lumOff val="5000"/>
+                  </a:schemeClr>
+                </a:solidFill>
+                <a:latin typeface="Consolas" panose="020B0609020204030204" pitchFamily="49" charset="0"/>
+              </a:rPr>
+              <a:t>($</a:t>
+            </a:r>
+            <a:r>
+              <a:rPr lang="es-ES" sz="1200" dirty="0" err="1">
+                <a:solidFill>
+                  <a:schemeClr val="tx1">
+                    <a:lumMod val="95000"/>
+                    <a:lumOff val="5000"/>
+                  </a:schemeClr>
+                </a:solidFill>
+                <a:latin typeface="Consolas" panose="020B0609020204030204" pitchFamily="49" charset="0"/>
+              </a:rPr>
+              <a:t>length</a:t>
+            </a:r>
+            <a:r>
+              <a:rPr lang="es-ES" sz="1200" dirty="0">
+                <a:solidFill>
+                  <a:schemeClr val="tx1">
+                    <a:lumMod val="95000"/>
+                    <a:lumOff val="5000"/>
+                  </a:schemeClr>
+                </a:solidFill>
+                <a:latin typeface="Consolas" panose="020B0609020204030204" pitchFamily="49" charset="0"/>
+              </a:rPr>
+              <a:t> = 4) { </a:t>
+            </a:r>
+          </a:p>
+          <a:p>
+            <a:r>
+              <a:rPr lang="es-ES" sz="1200" dirty="0">
+                <a:solidFill>
+                  <a:schemeClr val="tx1">
+                    <a:lumMod val="95000"/>
+                    <a:lumOff val="5000"/>
+                  </a:schemeClr>
+                </a:solidFill>
+                <a:latin typeface="Consolas" panose="020B0609020204030204" pitchFamily="49" charset="0"/>
+              </a:rPr>
+              <a:t>  </a:t>
+            </a:r>
+            <a:r>
+              <a:rPr lang="es-ES" sz="1200" dirty="0" err="1">
+                <a:solidFill>
+                  <a:schemeClr val="tx1">
+                    <a:lumMod val="95000"/>
+                    <a:lumOff val="5000"/>
+                  </a:schemeClr>
+                </a:solidFill>
+                <a:latin typeface="Consolas" panose="020B0609020204030204" pitchFamily="49" charset="0"/>
+              </a:rPr>
+              <a:t>return</a:t>
+            </a:r>
+            <a:r>
+              <a:rPr lang="es-ES" sz="1200" dirty="0">
+                <a:solidFill>
+                  <a:schemeClr val="tx1">
+                    <a:lumMod val="95000"/>
+                    <a:lumOff val="5000"/>
+                  </a:schemeClr>
+                </a:solidFill>
+                <a:latin typeface="Consolas" panose="020B0609020204030204" pitchFamily="49" charset="0"/>
+              </a:rPr>
+              <a:t> </a:t>
+            </a:r>
+            <a:r>
+              <a:rPr lang="es-ES" sz="1200" dirty="0" err="1">
+                <a:solidFill>
+                  <a:schemeClr val="tx1">
+                    <a:lumMod val="95000"/>
+                    <a:lumOff val="5000"/>
+                  </a:schemeClr>
+                </a:solidFill>
+                <a:latin typeface="Consolas" panose="020B0609020204030204" pitchFamily="49" charset="0"/>
+              </a:rPr>
+              <a:t>substr</a:t>
+            </a:r>
+            <a:r>
+              <a:rPr lang="es-ES" sz="1200" dirty="0">
+                <a:solidFill>
+                  <a:schemeClr val="tx1">
+                    <a:lumMod val="95000"/>
+                    <a:lumOff val="5000"/>
+                  </a:schemeClr>
+                </a:solidFill>
+                <a:latin typeface="Consolas" panose="020B0609020204030204" pitchFamily="49" charset="0"/>
+              </a:rPr>
+              <a:t>(</a:t>
+            </a:r>
+            <a:r>
+              <a:rPr lang="es-ES" sz="1200" dirty="0" err="1">
+                <a:solidFill>
+                  <a:schemeClr val="tx1">
+                    <a:lumMod val="95000"/>
+                    <a:lumOff val="5000"/>
+                  </a:schemeClr>
+                </a:solidFill>
+                <a:latin typeface="Consolas" panose="020B0609020204030204" pitchFamily="49" charset="0"/>
+              </a:rPr>
+              <a:t>str_shuffle</a:t>
+            </a:r>
+            <a:r>
+              <a:rPr lang="es-ES" sz="1200" dirty="0">
+                <a:solidFill>
+                  <a:schemeClr val="tx1">
+                    <a:lumMod val="95000"/>
+                    <a:lumOff val="5000"/>
+                  </a:schemeClr>
+                </a:solidFill>
+                <a:latin typeface="Consolas" panose="020B0609020204030204" pitchFamily="49" charset="0"/>
+              </a:rPr>
+              <a:t>("0123456789ABCDEFGHIJKLMNOPQRSTUVWXYZ"), 0, $</a:t>
+            </a:r>
+            <a:r>
+              <a:rPr lang="es-ES" sz="1200" dirty="0" err="1">
+                <a:solidFill>
+                  <a:schemeClr val="tx1">
+                    <a:lumMod val="95000"/>
+                    <a:lumOff val="5000"/>
+                  </a:schemeClr>
+                </a:solidFill>
+                <a:latin typeface="Consolas" panose="020B0609020204030204" pitchFamily="49" charset="0"/>
+              </a:rPr>
+              <a:t>length</a:t>
+            </a:r>
+            <a:r>
+              <a:rPr lang="es-ES" sz="1200" dirty="0">
+                <a:solidFill>
+                  <a:schemeClr val="tx1">
+                    <a:lumMod val="95000"/>
+                    <a:lumOff val="5000"/>
+                  </a:schemeClr>
+                </a:solidFill>
+                <a:latin typeface="Consolas" panose="020B0609020204030204" pitchFamily="49" charset="0"/>
+              </a:rPr>
+              <a:t>); </a:t>
+            </a:r>
+          </a:p>
+          <a:p>
+            <a:r>
+              <a:rPr lang="es-ES" sz="1200" dirty="0">
+                <a:solidFill>
+                  <a:schemeClr val="tx1">
+                    <a:lumMod val="95000"/>
+                    <a:lumOff val="5000"/>
+                  </a:schemeClr>
+                </a:solidFill>
+                <a:latin typeface="Consolas" panose="020B0609020204030204" pitchFamily="49" charset="0"/>
+              </a:rPr>
+              <a:t>}</a:t>
+            </a:r>
+          </a:p>
+          <a:p>
+            <a:r>
+              <a:rPr lang="es-ES" sz="1200" dirty="0">
+                <a:solidFill>
+                  <a:schemeClr val="tx1">
+                    <a:lumMod val="95000"/>
+                    <a:lumOff val="5000"/>
+                  </a:schemeClr>
+                </a:solidFill>
+                <a:latin typeface="Consolas" panose="020B0609020204030204" pitchFamily="49" charset="0"/>
+              </a:rPr>
+              <a:t> </a:t>
+            </a:r>
+          </a:p>
+          <a:p>
+            <a:r>
+              <a:rPr lang="es-ES" sz="1200" dirty="0">
+                <a:solidFill>
+                  <a:schemeClr val="tx1">
+                    <a:lumMod val="95000"/>
+                    <a:lumOff val="5000"/>
+                  </a:schemeClr>
+                </a:solidFill>
+                <a:latin typeface="Consolas" panose="020B0609020204030204" pitchFamily="49" charset="0"/>
+              </a:rPr>
+              <a:t>$</a:t>
+            </a:r>
+            <a:r>
+              <a:rPr lang="es-ES" sz="1200" dirty="0" err="1">
+                <a:solidFill>
+                  <a:schemeClr val="tx1">
+                    <a:lumMod val="95000"/>
+                    <a:lumOff val="5000"/>
+                  </a:schemeClr>
+                </a:solidFill>
+                <a:latin typeface="Consolas" panose="020B0609020204030204" pitchFamily="49" charset="0"/>
+              </a:rPr>
+              <a:t>headers</a:t>
+            </a:r>
+            <a:r>
+              <a:rPr lang="es-ES" sz="1200" dirty="0">
+                <a:solidFill>
+                  <a:schemeClr val="tx1">
+                    <a:lumMod val="95000"/>
+                    <a:lumOff val="5000"/>
+                  </a:schemeClr>
+                </a:solidFill>
+                <a:latin typeface="Consolas" panose="020B0609020204030204" pitchFamily="49" charset="0"/>
+              </a:rPr>
+              <a:t> .= "</a:t>
+            </a:r>
+            <a:r>
+              <a:rPr lang="es-ES" sz="1200" dirty="0" err="1">
+                <a:solidFill>
+                  <a:schemeClr val="tx1">
+                    <a:lumMod val="95000"/>
+                    <a:lumOff val="5000"/>
+                  </a:schemeClr>
+                </a:solidFill>
+                <a:latin typeface="Consolas" panose="020B0609020204030204" pitchFamily="49" charset="0"/>
+              </a:rPr>
+              <a:t>From</a:t>
+            </a:r>
+            <a:r>
+              <a:rPr lang="es-ES" sz="1200" dirty="0">
+                <a:solidFill>
+                  <a:schemeClr val="tx1">
+                    <a:lumMod val="95000"/>
+                    <a:lumOff val="5000"/>
+                  </a:schemeClr>
+                </a:solidFill>
+                <a:latin typeface="Consolas" panose="020B0609020204030204" pitchFamily="49" charset="0"/>
+              </a:rPr>
+              <a:t>: </a:t>
+            </a:r>
+            <a:r>
+              <a:rPr lang="es-ES" sz="1200" dirty="0" err="1">
+                <a:solidFill>
+                  <a:schemeClr val="tx1">
+                    <a:lumMod val="95000"/>
+                    <a:lumOff val="5000"/>
+                  </a:schemeClr>
+                </a:solidFill>
+                <a:latin typeface="Consolas" panose="020B0609020204030204" pitchFamily="49" charset="0"/>
+              </a:rPr>
+              <a:t>Admin</a:t>
+            </a:r>
+            <a:r>
+              <a:rPr lang="es-ES" sz="1200" dirty="0">
+                <a:solidFill>
+                  <a:schemeClr val="tx1">
+                    <a:lumMod val="95000"/>
+                    <a:lumOff val="5000"/>
+                  </a:schemeClr>
+                </a:solidFill>
+                <a:latin typeface="Consolas" panose="020B0609020204030204" pitchFamily="49" charset="0"/>
+              </a:rPr>
+              <a:t> Mis Contactos &lt;miscontactos@policianacional.com&gt;\r\n";</a:t>
+            </a:r>
+          </a:p>
+          <a:p>
+            <a:r>
+              <a:rPr lang="es-ES" sz="1200" b="1" dirty="0">
+                <a:solidFill>
+                  <a:schemeClr val="bg1"/>
+                </a:solidFill>
+                <a:latin typeface="Consolas" panose="020B0609020204030204" pitchFamily="49" charset="0"/>
+              </a:rPr>
+              <a:t>mail($</a:t>
+            </a:r>
+            <a:r>
+              <a:rPr lang="es-ES" sz="1200" b="1" dirty="0" err="1">
+                <a:solidFill>
+                  <a:schemeClr val="bg1"/>
+                </a:solidFill>
+                <a:latin typeface="Consolas" panose="020B0609020204030204" pitchFamily="49" charset="0"/>
+              </a:rPr>
+              <a:t>email,"Tu</a:t>
+            </a:r>
+            <a:r>
+              <a:rPr lang="es-ES" sz="1200" b="1" dirty="0">
+                <a:solidFill>
+                  <a:schemeClr val="bg1"/>
+                </a:solidFill>
+                <a:latin typeface="Consolas" panose="020B0609020204030204" pitchFamily="49" charset="0"/>
+              </a:rPr>
+              <a:t> clave de </a:t>
+            </a:r>
+            <a:r>
+              <a:rPr lang="es-ES" sz="1200" b="1" dirty="0" err="1">
+                <a:solidFill>
+                  <a:schemeClr val="bg1"/>
+                </a:solidFill>
+                <a:latin typeface="Consolas" panose="020B0609020204030204" pitchFamily="49" charset="0"/>
+              </a:rPr>
+              <a:t>MisContactos</a:t>
+            </a:r>
+            <a:r>
+              <a:rPr lang="es-ES" sz="1200" b="1" dirty="0">
+                <a:solidFill>
+                  <a:schemeClr val="bg1"/>
+                </a:solidFill>
+                <a:latin typeface="Consolas" panose="020B0609020204030204" pitchFamily="49" charset="0"/>
+              </a:rPr>
+              <a:t>","Tu clave es ".$clave,$</a:t>
+            </a:r>
+            <a:r>
+              <a:rPr lang="es-ES" sz="1200" b="1" dirty="0" err="1">
+                <a:solidFill>
+                  <a:schemeClr val="bg1"/>
+                </a:solidFill>
+                <a:latin typeface="Consolas" panose="020B0609020204030204" pitchFamily="49" charset="0"/>
+              </a:rPr>
+              <a:t>headers</a:t>
+            </a:r>
+            <a:r>
+              <a:rPr lang="es-ES" sz="1200" b="1" dirty="0">
+                <a:solidFill>
+                  <a:schemeClr val="bg1"/>
+                </a:solidFill>
+                <a:latin typeface="Consolas" panose="020B0609020204030204" pitchFamily="49" charset="0"/>
+              </a:rPr>
+              <a:t>);</a:t>
+            </a:r>
+          </a:p>
+          <a:p>
+            <a:r>
+              <a:rPr lang="es-ES" sz="1200" dirty="0">
+                <a:solidFill>
+                  <a:schemeClr val="tx1">
+                    <a:lumMod val="95000"/>
+                    <a:lumOff val="5000"/>
+                  </a:schemeClr>
+                </a:solidFill>
+                <a:latin typeface="Consolas" panose="020B0609020204030204" pitchFamily="49" charset="0"/>
+              </a:rPr>
+              <a:t>//desconectamos la base de datos</a:t>
+            </a:r>
+          </a:p>
+          <a:p>
+            <a:r>
+              <a:rPr lang="es-ES" sz="1200" dirty="0">
+                <a:solidFill>
+                  <a:schemeClr val="tx1">
+                    <a:lumMod val="95000"/>
+                    <a:lumOff val="5000"/>
+                  </a:schemeClr>
+                </a:solidFill>
+                <a:latin typeface="Consolas" panose="020B0609020204030204" pitchFamily="49" charset="0"/>
+              </a:rPr>
+              <a:t>$</a:t>
+            </a:r>
+            <a:r>
+              <a:rPr lang="es-ES" sz="1200" dirty="0" err="1">
+                <a:solidFill>
+                  <a:schemeClr val="tx1">
+                    <a:lumMod val="95000"/>
+                    <a:lumOff val="5000"/>
+                  </a:schemeClr>
+                </a:solidFill>
+                <a:latin typeface="Consolas" panose="020B0609020204030204" pitchFamily="49" charset="0"/>
+              </a:rPr>
+              <a:t>close</a:t>
+            </a:r>
+            <a:r>
+              <a:rPr lang="es-ES" sz="1200" dirty="0">
+                <a:solidFill>
+                  <a:schemeClr val="tx1">
+                    <a:lumMod val="95000"/>
+                    <a:lumOff val="5000"/>
+                  </a:schemeClr>
+                </a:solidFill>
+                <a:latin typeface="Consolas" panose="020B0609020204030204" pitchFamily="49" charset="0"/>
+              </a:rPr>
+              <a:t> = </a:t>
+            </a:r>
+            <a:r>
+              <a:rPr lang="es-ES" sz="1200" dirty="0" err="1">
+                <a:solidFill>
+                  <a:schemeClr val="tx1">
+                    <a:lumMod val="95000"/>
+                    <a:lumOff val="5000"/>
+                  </a:schemeClr>
+                </a:solidFill>
+                <a:latin typeface="Consolas" panose="020B0609020204030204" pitchFamily="49" charset="0"/>
+              </a:rPr>
+              <a:t>mysqli_close</a:t>
+            </a:r>
+            <a:r>
+              <a:rPr lang="es-ES" sz="1200" dirty="0">
+                <a:solidFill>
+                  <a:schemeClr val="tx1">
+                    <a:lumMod val="95000"/>
+                    <a:lumOff val="5000"/>
+                  </a:schemeClr>
+                </a:solidFill>
+                <a:latin typeface="Consolas" panose="020B0609020204030204" pitchFamily="49" charset="0"/>
+              </a:rPr>
+              <a:t>($</a:t>
+            </a:r>
+            <a:r>
+              <a:rPr lang="es-ES" sz="1200" dirty="0" err="1">
+                <a:solidFill>
+                  <a:schemeClr val="tx1">
+                    <a:lumMod val="95000"/>
+                    <a:lumOff val="5000"/>
+                  </a:schemeClr>
+                </a:solidFill>
+                <a:latin typeface="Consolas" panose="020B0609020204030204" pitchFamily="49" charset="0"/>
+              </a:rPr>
+              <a:t>conexion</a:t>
+            </a:r>
+            <a:r>
+              <a:rPr lang="es-ES" sz="1200" dirty="0">
+                <a:solidFill>
+                  <a:schemeClr val="tx1">
+                    <a:lumMod val="95000"/>
+                    <a:lumOff val="5000"/>
+                  </a:schemeClr>
+                </a:solidFill>
+                <a:latin typeface="Consolas" panose="020B0609020204030204" pitchFamily="49" charset="0"/>
+              </a:rPr>
+              <a:t>)</a:t>
+            </a:r>
+          </a:p>
+          <a:p>
+            <a:r>
+              <a:rPr lang="es-ES" sz="1200" dirty="0" err="1">
+                <a:solidFill>
+                  <a:schemeClr val="tx1">
+                    <a:lumMod val="95000"/>
+                    <a:lumOff val="5000"/>
+                  </a:schemeClr>
+                </a:solidFill>
+                <a:latin typeface="Consolas" panose="020B0609020204030204" pitchFamily="49" charset="0"/>
+              </a:rPr>
+              <a:t>or</a:t>
+            </a:r>
+            <a:r>
+              <a:rPr lang="es-ES" sz="1200" dirty="0">
+                <a:solidFill>
+                  <a:schemeClr val="tx1">
+                    <a:lumMod val="95000"/>
+                    <a:lumOff val="5000"/>
+                  </a:schemeClr>
+                </a:solidFill>
+                <a:latin typeface="Consolas" panose="020B0609020204030204" pitchFamily="49" charset="0"/>
+              </a:rPr>
+              <a:t> die("Ha sucedido un error </a:t>
+            </a:r>
+            <a:r>
+              <a:rPr lang="es-ES" sz="1200" dirty="0" err="1">
+                <a:solidFill>
+                  <a:schemeClr val="tx1">
+                    <a:lumMod val="95000"/>
+                    <a:lumOff val="5000"/>
+                  </a:schemeClr>
+                </a:solidFill>
+                <a:latin typeface="Consolas" panose="020B0609020204030204" pitchFamily="49" charset="0"/>
+              </a:rPr>
+              <a:t>inexperado</a:t>
+            </a:r>
+            <a:r>
+              <a:rPr lang="es-ES" sz="1200" dirty="0">
+                <a:solidFill>
+                  <a:schemeClr val="tx1">
+                    <a:lumMod val="95000"/>
+                    <a:lumOff val="5000"/>
+                  </a:schemeClr>
+                </a:solidFill>
+                <a:latin typeface="Consolas" panose="020B0609020204030204" pitchFamily="49" charset="0"/>
+              </a:rPr>
+              <a:t> en la </a:t>
+            </a:r>
+            <a:r>
+              <a:rPr lang="es-ES" sz="1200" dirty="0" err="1">
+                <a:solidFill>
+                  <a:schemeClr val="tx1">
+                    <a:lumMod val="95000"/>
+                    <a:lumOff val="5000"/>
+                  </a:schemeClr>
+                </a:solidFill>
+                <a:latin typeface="Consolas" panose="020B0609020204030204" pitchFamily="49" charset="0"/>
+              </a:rPr>
+              <a:t>desconexion</a:t>
+            </a:r>
+            <a:r>
+              <a:rPr lang="es-ES" sz="1200" dirty="0">
+                <a:solidFill>
+                  <a:schemeClr val="tx1">
+                    <a:lumMod val="95000"/>
+                    <a:lumOff val="5000"/>
+                  </a:schemeClr>
+                </a:solidFill>
+                <a:latin typeface="Consolas" panose="020B0609020204030204" pitchFamily="49" charset="0"/>
+              </a:rPr>
+              <a:t> de la base de datos");</a:t>
+            </a:r>
+          </a:p>
+          <a:p>
+            <a:br>
+              <a:rPr lang="es-ES" sz="1200" dirty="0">
+                <a:solidFill>
+                  <a:schemeClr val="tx1">
+                    <a:lumMod val="95000"/>
+                    <a:lumOff val="5000"/>
+                  </a:schemeClr>
+                </a:solidFill>
+                <a:latin typeface="Consolas" panose="020B0609020204030204" pitchFamily="49" charset="0"/>
+              </a:rPr>
+            </a:br>
+            <a:r>
+              <a:rPr lang="es-ES" sz="1200" dirty="0">
+                <a:solidFill>
+                  <a:schemeClr val="tx1">
+                    <a:lumMod val="95000"/>
+                    <a:lumOff val="5000"/>
+                  </a:schemeClr>
+                </a:solidFill>
+                <a:latin typeface="Consolas" panose="020B0609020204030204" pitchFamily="49" charset="0"/>
+              </a:rPr>
+              <a:t>?&gt;</a:t>
+            </a:r>
+            <a:endParaRPr lang="es-ES" sz="1200" b="0" dirty="0">
+              <a:solidFill>
+                <a:schemeClr val="tx1">
+                  <a:lumMod val="95000"/>
+                  <a:lumOff val="5000"/>
+                </a:schemeClr>
+              </a:solidFill>
+              <a:effectLst/>
+              <a:latin typeface="Consolas" panose="020B0609020204030204" pitchFamily="49" charset="0"/>
+            </a:endParaRPr>
+          </a:p>
+        </p:txBody>
+      </p:sp>
+    </p:spTree>
+    <p:extLst>
+      <p:ext uri="{BB962C8B-B14F-4D97-AF65-F5344CB8AC3E}">
+        <p14:creationId xmlns:p14="http://schemas.microsoft.com/office/powerpoint/2010/main" val="2099416314"/>
+      </p:ext>
+    </p:extLst>
+  </p:cSld>
+  <p:clrMapOvr>
+    <a:masterClrMapping/>
+  </p:clrMapOvr>
+</p:sld>
+</file>
+
+<file path=ppt/slides/slide8.xml><?xml version="1.0" encoding="utf-8"?>
+<p:sld xmlns:a="http://schemas.openxmlformats.org/drawingml/2006/main" xmlns:r="http://schemas.openxmlformats.org/officeDocument/2006/relationships" xmlns:p="http://schemas.openxmlformats.org/presentationml/2006/main">
+  <p:cSld>
+    <p:spTree>
+      <p:nvGrpSpPr>
+        <p:cNvPr id="1" name=""/>
+        <p:cNvGrpSpPr/>
+        <p:nvPr/>
+      </p:nvGrpSpPr>
+      <p:grpSpPr>
+        <a:xfrm>
+          <a:off x="0" y="0"/>
+          <a:ext cx="0" cy="0"/>
+          <a:chOff x="0" y="0"/>
+          <a:chExt cx="0" cy="0"/>
+        </a:xfrm>
+      </p:grpSpPr>
+      <p:sp>
+        <p:nvSpPr>
+          <p:cNvPr id="2" name="Título 1">
+            <a:extLst>
+              <a:ext uri="{FF2B5EF4-FFF2-40B4-BE49-F238E27FC236}">
                 <a16:creationId xmlns:a16="http://schemas.microsoft.com/office/drawing/2014/main" id="{99012890-435D-4E8A-9A6F-E08E7328431C}"/>
               </a:ext>
             </a:extLst>
@@ -4396,6 +5882,20 @@
             <a:avLst/>
           </a:prstGeom>
         </p:spPr>
+        <p:style>
+          <a:lnRef idx="1">
+            <a:schemeClr val="accent5"/>
+          </a:lnRef>
+          <a:fillRef idx="2">
+            <a:schemeClr val="accent5"/>
+          </a:fillRef>
+          <a:effectRef idx="1">
+            <a:schemeClr val="accent5"/>
+          </a:effectRef>
+          <a:fontRef idx="minor">
+            <a:schemeClr val="dk1"/>
+          </a:fontRef>
+        </p:style>
         <p:txBody>
           <a:bodyPr wrap="square">
             <a:spAutoFit/>
@@ -4625,6 +6125,93 @@
     <p:extLst>
       <p:ext uri="{BB962C8B-B14F-4D97-AF65-F5344CB8AC3E}">
         <p14:creationId xmlns:p14="http://schemas.microsoft.com/office/powerpoint/2010/main" val="1760795262"/>
+      </p:ext>
+    </p:extLst>
+  </p:cSld>
+  <p:clrMapOvr>
+    <a:masterClrMapping/>
+  </p:clrMapOvr>
+</p:sld>
+</file>
+
+<file path=ppt/slides/slide9.xml><?xml version="1.0" encoding="utf-8"?>
+<p:sld xmlns:a="http://schemas.openxmlformats.org/drawingml/2006/main" xmlns:r="http://schemas.openxmlformats.org/officeDocument/2006/relationships" xmlns:p="http://schemas.openxmlformats.org/presentationml/2006/main">
+  <p:cSld>
+    <p:spTree>
+      <p:nvGrpSpPr>
+        <p:cNvPr id="1" name=""/>
+        <p:cNvGrpSpPr/>
+        <p:nvPr/>
+      </p:nvGrpSpPr>
+      <p:grpSpPr>
+        <a:xfrm>
+          <a:off x="0" y="0"/>
+          <a:ext cx="0" cy="0"/>
+          <a:chOff x="0" y="0"/>
+          <a:chExt cx="0" cy="0"/>
+        </a:xfrm>
+      </p:grpSpPr>
+      <p:sp>
+        <p:nvSpPr>
+          <p:cNvPr id="2" name="Título 1">
+            <a:extLst>
+              <a:ext uri="{FF2B5EF4-FFF2-40B4-BE49-F238E27FC236}">
+                <a16:creationId xmlns:a16="http://schemas.microsoft.com/office/drawing/2014/main" id="{511F61E8-789B-4BAD-A038-A437ACF6BFB2}"/>
+              </a:ext>
+            </a:extLst>
+          </p:cNvPr>
+          <p:cNvSpPr>
+            <a:spLocks noGrp="1"/>
+          </p:cNvSpPr>
+          <p:nvPr>
+            <p:ph type="title"/>
+          </p:nvPr>
+        </p:nvSpPr>
+        <p:spPr/>
+        <p:txBody>
+          <a:bodyPr/>
+          <a:lstStyle/>
+          <a:p>
+            <a:r>
+              <a:rPr lang="es-ES" dirty="0"/>
+              <a:t>Comprobación de la conectividad</a:t>
+            </a:r>
+          </a:p>
+        </p:txBody>
+      </p:sp>
+      <p:pic>
+        <p:nvPicPr>
+          <p:cNvPr id="5" name="Marcador de contenido 4">
+            <a:extLst>
+              <a:ext uri="{FF2B5EF4-FFF2-40B4-BE49-F238E27FC236}">
+                <a16:creationId xmlns:a16="http://schemas.microsoft.com/office/drawing/2014/main" id="{B52B35F2-5D85-4545-B44D-E9724DF32127}"/>
+              </a:ext>
+            </a:extLst>
+          </p:cNvPr>
+          <p:cNvPicPr>
+            <a:picLocks noGrp="1" noChangeAspect="1"/>
+          </p:cNvPicPr>
+          <p:nvPr>
+            <p:ph idx="1"/>
+          </p:nvPr>
+        </p:nvPicPr>
+        <p:blipFill>
+          <a:blip r:embed="rId2"/>
+          <a:stretch>
+            <a:fillRect/>
+          </a:stretch>
+        </p:blipFill>
+        <p:spPr>
+          <a:xfrm>
+            <a:off x="1371600" y="1993608"/>
+            <a:ext cx="9652840" cy="3588767"/>
+          </a:xfrm>
+        </p:spPr>
+      </p:pic>
+    </p:spTree>
+    <p:extLst>
+      <p:ext uri="{BB962C8B-B14F-4D97-AF65-F5344CB8AC3E}">
+        <p14:creationId xmlns:p14="http://schemas.microsoft.com/office/powerpoint/2010/main" val="2473312040"/>
       </p:ext>
     </p:extLst>
   </p:cSld>
